--- a/Hadoop/01-OperatingSystems.pptx
+++ b/Hadoop/01-OperatingSystems.pptx
@@ -3790,9 +3790,22 @@
           <a:p>
             <a:r>
               <a:rPr lang="en-US" altLang="en-US" dirty="0"/>
-              <a:t>The OSI and TCP/IP Protocol Stacks</a:t>
-            </a:r>
-            <a:endParaRPr lang="en-US" dirty="0"/>
+              <a:t>The OSI and TCP/IP Protocol Stacks </a:t>
+            </a:r>
+            <a:r>
+              <a:rPr lang="en-US" dirty="0"/>
+              <a:t>[</a:t>
+            </a:r>
+            <a:r>
+              <a:rPr lang="en-US" dirty="0">
+                <a:hlinkClick r:id="rId2"/>
+              </a:rPr>
+              <a:t>source</a:t>
+            </a:r>
+            <a:r>
+              <a:rPr lang="en-US" dirty="0"/>
+              <a:t>]</a:t>
+            </a:r>
           </a:p>
         </p:txBody>
       </p:sp>
@@ -3823,7 +3836,7 @@
             </a:r>
             <a:r>
               <a:rPr lang="en-US" dirty="0">
-                <a:hlinkClick r:id="rId2"/>
+                <a:hlinkClick r:id="rId3"/>
               </a:rPr>
               <a:t>127.0.0.1:8080</a:t>
             </a:r>
@@ -3855,7 +3868,7 @@
           <p:nvPr/>
         </p:nvPicPr>
         <p:blipFill>
-          <a:blip r:embed="rId3"/>
+          <a:blip r:embed="rId4"/>
           <a:stretch>
             <a:fillRect/>
           </a:stretch>
@@ -3885,7 +3898,7 @@
           <p:nvPr/>
         </p:nvPicPr>
         <p:blipFill>
-          <a:blip r:embed="rId3"/>
+          <a:blip r:embed="rId4"/>
           <a:stretch>
             <a:fillRect/>
           </a:stretch>
@@ -3915,7 +3928,7 @@
           <p:nvPr/>
         </p:nvPicPr>
         <p:blipFill>
-          <a:blip r:embed="rId4"/>
+          <a:blip r:embed="rId5"/>
           <a:stretch>
             <a:fillRect/>
           </a:stretch>
@@ -3945,7 +3958,7 @@
           <p:nvPr/>
         </p:nvPicPr>
         <p:blipFill>
-          <a:blip r:embed="rId4"/>
+          <a:blip r:embed="rId5"/>
           <a:stretch>
             <a:fillRect/>
           </a:stretch>
@@ -3975,7 +3988,7 @@
           <p:nvPr/>
         </p:nvPicPr>
         <p:blipFill>
-          <a:blip r:embed="rId5"/>
+          <a:blip r:embed="rId6"/>
           <a:stretch>
             <a:fillRect/>
           </a:stretch>
@@ -4005,7 +4018,7 @@
           <p:nvPr/>
         </p:nvPicPr>
         <p:blipFill>
-          <a:blip r:embed="rId6"/>
+          <a:blip r:embed="rId7"/>
           <a:stretch>
             <a:fillRect/>
           </a:stretch>
@@ -4078,35 +4091,45 @@
           <a:p>
             <a:r>
               <a:rPr lang="en-US" dirty="0"/>
-              <a:t>Client Server Model</a:t>
-            </a:r>
-          </a:p>
-        </p:txBody>
-      </p:sp>
-      <p:sp>
-        <p:nvSpPr>
-          <p:cNvPr id="7" name="Content Placeholder 6">
-            <a:extLst>
-              <a:ext uri="{FF2B5EF4-FFF2-40B4-BE49-F238E27FC236}">
-                <a16:creationId xmlns:a16="http://schemas.microsoft.com/office/drawing/2014/main" id="{CAF689CF-E519-1B4D-A137-C38101FB97E6}"/>
-              </a:ext>
-            </a:extLst>
-          </p:cNvPr>
-          <p:cNvSpPr>
-            <a:spLocks noGrp="1"/>
-          </p:cNvSpPr>
-          <p:nvPr>
-            <p:ph idx="1"/>
-          </p:nvPr>
-        </p:nvSpPr>
-        <p:spPr/>
-        <p:txBody>
-          <a:bodyPr/>
-          <a:lstStyle/>
-          <a:p>
+              <a:t>Client Server Model [</a:t>
+            </a:r>
             <a:r>
               <a:rPr lang="en-US" dirty="0">
                 <a:hlinkClick r:id="rId2"/>
+              </a:rPr>
+              <a:t>source</a:t>
+            </a:r>
+            <a:r>
+              <a:rPr lang="en-US" dirty="0"/>
+              <a:t>]</a:t>
+            </a:r>
+          </a:p>
+        </p:txBody>
+      </p:sp>
+      <p:sp>
+        <p:nvSpPr>
+          <p:cNvPr id="7" name="Content Placeholder 6">
+            <a:extLst>
+              <a:ext uri="{FF2B5EF4-FFF2-40B4-BE49-F238E27FC236}">
+                <a16:creationId xmlns:a16="http://schemas.microsoft.com/office/drawing/2014/main" id="{CAF689CF-E519-1B4D-A137-C38101FB97E6}"/>
+              </a:ext>
+            </a:extLst>
+          </p:cNvPr>
+          <p:cNvSpPr>
+            <a:spLocks noGrp="1"/>
+          </p:cNvSpPr>
+          <p:nvPr>
+            <p:ph idx="1"/>
+          </p:nvPr>
+        </p:nvSpPr>
+        <p:spPr/>
+        <p:txBody>
+          <a:bodyPr/>
+          <a:lstStyle/>
+          <a:p>
+            <a:r>
+              <a:rPr lang="en-US" dirty="0">
+                <a:hlinkClick r:id="rId3"/>
               </a:rPr>
               <a:t>http://127.0.0.1:8880</a:t>
             </a:r>
@@ -4135,7 +4158,7 @@
           <p:nvPr/>
         </p:nvPicPr>
         <p:blipFill>
-          <a:blip r:embed="rId3"/>
+          <a:blip r:embed="rId4"/>
           <a:stretch>
             <a:fillRect/>
           </a:stretch>
@@ -4203,8 +4226,23 @@
           <a:p>
             <a:r>
               <a:rPr lang="en-US" dirty="0"/>
-              <a:t>Cluster Based Model - Hadoop</a:t>
-            </a:r>
+              <a:t>Cluster Based </a:t>
+            </a:r>
+            <a:r>
+              <a:rPr lang="en-US"/>
+              <a:t>Model – Hadoop [</a:t>
+            </a:r>
+            <a:r>
+              <a:rPr lang="en-US">
+                <a:hlinkClick r:id="rId2"/>
+              </a:rPr>
+              <a:t>source</a:t>
+            </a:r>
+            <a:r>
+              <a:rPr lang="en-US"/>
+              <a:t>]</a:t>
+            </a:r>
+            <a:endParaRPr lang="en-US" dirty="0"/>
           </a:p>
         </p:txBody>
       </p:sp>
@@ -4260,7 +4298,7 @@
           <p:nvPr/>
         </p:nvPicPr>
         <p:blipFill>
-          <a:blip r:embed="rId2"/>
+          <a:blip r:embed="rId3"/>
           <a:stretch>
             <a:fillRect/>
           </a:stretch>
@@ -4275,6 +4313,70 @@
           </a:prstGeom>
         </p:spPr>
       </p:pic>
+      <p:sp>
+        <p:nvSpPr>
+          <p:cNvPr id="9" name="TextBox 8">
+            <a:extLst>
+              <a:ext uri="{FF2B5EF4-FFF2-40B4-BE49-F238E27FC236}">
+                <a16:creationId xmlns:a16="http://schemas.microsoft.com/office/drawing/2014/main" id="{CB273101-7E80-BC4A-8E67-A5A096A93494}"/>
+              </a:ext>
+            </a:extLst>
+          </p:cNvPr>
+          <p:cNvSpPr txBox="1"/>
+          <p:nvPr/>
+        </p:nvSpPr>
+        <p:spPr>
+          <a:xfrm>
+            <a:off x="8123583" y="1046922"/>
+            <a:ext cx="184731" cy="369332"/>
+          </a:xfrm>
+          <a:prstGeom prst="rect">
+            <a:avLst/>
+          </a:prstGeom>
+          <a:noFill/>
+        </p:spPr>
+        <p:txBody>
+          <a:bodyPr wrap="none" rtlCol="0">
+            <a:spAutoFit/>
+          </a:bodyPr>
+          <a:lstStyle/>
+          <a:p>
+            <a:endParaRPr lang="en-US" dirty="0"/>
+          </a:p>
+        </p:txBody>
+      </p:sp>
+      <p:sp>
+        <p:nvSpPr>
+          <p:cNvPr id="10" name="TextBox 9">
+            <a:extLst>
+              <a:ext uri="{FF2B5EF4-FFF2-40B4-BE49-F238E27FC236}">
+                <a16:creationId xmlns:a16="http://schemas.microsoft.com/office/drawing/2014/main" id="{450B2ADD-88E8-B14C-A9BB-834C0DEAA9FD}"/>
+              </a:ext>
+            </a:extLst>
+          </p:cNvPr>
+          <p:cNvSpPr txBox="1"/>
+          <p:nvPr/>
+        </p:nvSpPr>
+        <p:spPr>
+          <a:xfrm>
+            <a:off x="7964557" y="1033670"/>
+            <a:ext cx="184731" cy="369332"/>
+          </a:xfrm>
+          <a:prstGeom prst="rect">
+            <a:avLst/>
+          </a:prstGeom>
+          <a:noFill/>
+        </p:spPr>
+        <p:txBody>
+          <a:bodyPr wrap="none" rtlCol="0">
+            <a:spAutoFit/>
+          </a:bodyPr>
+          <a:lstStyle/>
+          <a:p>
+            <a:endParaRPr lang="en-US" dirty="0"/>
+          </a:p>
+        </p:txBody>
+      </p:sp>
     </p:spTree>
     <p:extLst>
       <p:ext uri="{BB962C8B-B14F-4D97-AF65-F5344CB8AC3E}">
@@ -4459,7 +4561,17 @@
           <a:p>
             <a:r>
               <a:rPr lang="en-US" dirty="0"/>
-              <a:t>Linux</a:t>
+              <a:t>Linux    [</a:t>
+            </a:r>
+            <a:r>
+              <a:rPr lang="en-US" dirty="0">
+                <a:hlinkClick r:id="rId2"/>
+              </a:rPr>
+              <a:t>source</a:t>
+            </a:r>
+            <a:r>
+              <a:rPr lang="en-US" dirty="0"/>
+              <a:t>]</a:t>
             </a:r>
             <a:br>
               <a:rPr lang="en-US" dirty="0"/>
@@ -4485,7 +4597,7 @@
           </p:nvPr>
         </p:nvPicPr>
         <p:blipFill>
-          <a:blip r:embed="rId2"/>
+          <a:blip r:embed="rId3"/>
           <a:stretch>
             <a:fillRect/>
           </a:stretch>
@@ -4550,7 +4662,17 @@
           <a:p>
             <a:r>
               <a:rPr lang="en-US" dirty="0"/>
-              <a:t>Linux System</a:t>
+              <a:t>Linux System [</a:t>
+            </a:r>
+            <a:r>
+              <a:rPr lang="en-US" dirty="0">
+                <a:hlinkClick r:id="rId2"/>
+              </a:rPr>
+              <a:t>source</a:t>
+            </a:r>
+            <a:r>
+              <a:rPr lang="en-US" dirty="0"/>
+              <a:t>]</a:t>
             </a:r>
           </a:p>
         </p:txBody>
@@ -4572,7 +4694,7 @@
           </p:nvPr>
         </p:nvPicPr>
         <p:blipFill>
-          <a:blip r:embed="rId2"/>
+          <a:blip r:embed="rId3"/>
           <a:stretch>
             <a:fillRect/>
           </a:stretch>
@@ -4637,7 +4759,17 @@
           <a:p>
             <a:r>
               <a:rPr lang="en-US" dirty="0"/>
-              <a:t>File System</a:t>
+              <a:t>File System [</a:t>
+            </a:r>
+            <a:r>
+              <a:rPr lang="en-US" dirty="0">
+                <a:hlinkClick r:id="rId2"/>
+              </a:rPr>
+              <a:t>source</a:t>
+            </a:r>
+            <a:r>
+              <a:rPr lang="en-US" dirty="0"/>
+              <a:t>]</a:t>
             </a:r>
           </a:p>
         </p:txBody>
@@ -4659,7 +4791,7 @@
           </p:nvPr>
         </p:nvPicPr>
         <p:blipFill>
-          <a:blip r:embed="rId2"/>
+          <a:blip r:embed="rId3"/>
           <a:stretch>
             <a:fillRect/>
           </a:stretch>
@@ -5067,7 +5199,17 @@
           <a:p>
             <a:r>
               <a:rPr lang="en-US" dirty="0"/>
-              <a:t>Distributed Systems</a:t>
+              <a:t>Distributed Systems [</a:t>
+            </a:r>
+            <a:r>
+              <a:rPr lang="en-US" dirty="0">
+                <a:hlinkClick r:id="rId2"/>
+              </a:rPr>
+              <a:t>source</a:t>
+            </a:r>
+            <a:r>
+              <a:rPr lang="en-US" dirty="0"/>
+              <a:t>]</a:t>
             </a:r>
           </a:p>
         </p:txBody>
@@ -5197,7 +5339,7 @@
           <p:nvPr/>
         </p:nvPicPr>
         <p:blipFill>
-          <a:blip r:embed="rId2">
+          <a:blip r:embed="rId3">
             <a:extLst>
               <a:ext uri="{28A0092B-C50C-407E-A947-70E740481C1C}">
                 <a14:useLocalDpi xmlns:a14="http://schemas.microsoft.com/office/drawing/2010/main" val="0"/>
